--- a/fase3_apresentação.pptx
+++ b/fase3_apresentação.pptx
@@ -12440,7 +12440,7 @@
                 <a:cs typeface="Rubik"/>
                 <a:sym typeface="Rubik"/>
               </a:rPr>
-              <a:t>Uniforma</a:t>
+              <a:t>Uniforme</a:t>
             </a:r>
             <a:endParaRPr dirty="0"/>
           </a:p>

--- a/fase3_apresentação.pptx
+++ b/fase3_apresentação.pptx
@@ -24,14 +24,14 @@
   <p:notesSz cx="6858000" cy="9144000"/>
   <p:embeddedFontLst>
     <p:embeddedFont>
-      <p:font typeface="Montserrat" panose="00000500000000000000" pitchFamily="2" charset="0"/>
+      <p:font typeface="Montserrat" pitchFamily="2" charset="77"/>
       <p:regular r:id="rId14"/>
       <p:bold r:id="rId15"/>
       <p:italic r:id="rId16"/>
       <p:boldItalic r:id="rId17"/>
     </p:embeddedFont>
     <p:embeddedFont>
-      <p:font typeface="Rubik" panose="020B0604020202020204" charset="-79"/>
+      <p:font typeface="Rubik" pitchFamily="2" charset="-79"/>
       <p:regular r:id="rId18"/>
       <p:bold r:id="rId19"/>
       <p:italic r:id="rId20"/>
@@ -8317,31 +8317,7 @@
                 <a:cs typeface="Montserrat"/>
                 <a:sym typeface="Montserrat"/>
               </a:rPr>
-              <a:t>Para </a:t>
-            </a:r>
-            <a:r>
-              <a:rPr lang="en-US" sz="2000" dirty="0">
-                <a:solidFill>
-                  <a:srgbClr val="0F3C5D"/>
-                </a:solidFill>
-                <a:latin typeface="Montserrat"/>
-                <a:ea typeface="Montserrat"/>
-                <a:cs typeface="Montserrat"/>
-                <a:sym typeface="Montserrat"/>
-              </a:rPr>
-              <a:t>à</a:t>
-            </a:r>
-            <a:r>
-              <a:rPr lang="en-US" sz="2000" b="0" i="0" u="none" strike="noStrike" cap="none" dirty="0">
-                <a:solidFill>
-                  <a:srgbClr val="0F3C5D"/>
-                </a:solidFill>
-                <a:latin typeface="Montserrat"/>
-                <a:ea typeface="Montserrat"/>
-                <a:cs typeface="Montserrat"/>
-                <a:sym typeface="Montserrat"/>
-              </a:rPr>
-              <a:t> </a:t>
+              <a:t>Para a </a:t>
             </a:r>
             <a:r>
               <a:rPr lang="en-US" sz="2000" b="0" i="0" u="none" strike="noStrike" cap="none" dirty="0" err="1">
@@ -15014,7 +14990,31 @@
                 <a:cs typeface="Montserrat"/>
                 <a:sym typeface="Montserrat"/>
               </a:rPr>
-              <a:t> Podemos </a:t>
+              <a:t> </a:t>
+            </a:r>
+            <a:r>
+              <a:rPr lang="en-US" sz="1800" b="0" i="0" u="none" strike="noStrike" cap="none" dirty="0" err="1">
+                <a:solidFill>
+                  <a:srgbClr val="0F3C5D"/>
+                </a:solidFill>
+                <a:latin typeface="Montserrat"/>
+                <a:ea typeface="Montserrat"/>
+                <a:cs typeface="Montserrat"/>
+                <a:sym typeface="Montserrat"/>
+              </a:rPr>
+              <a:t>podemos</a:t>
+            </a:r>
+            <a:r>
+              <a:rPr lang="en-US" sz="1800" b="0" i="0" u="none" strike="noStrike" cap="none" dirty="0">
+                <a:solidFill>
+                  <a:srgbClr val="0F3C5D"/>
+                </a:solidFill>
+                <a:latin typeface="Montserrat"/>
+                <a:ea typeface="Montserrat"/>
+                <a:cs typeface="Montserrat"/>
+                <a:sym typeface="Montserrat"/>
+              </a:rPr>
+              <a:t> </a:t>
             </a:r>
             <a:r>
               <a:rPr lang="en-US" sz="1800" b="0" i="0" u="none" strike="noStrike" cap="none" dirty="0" err="1">
@@ -19729,31 +19729,7 @@
                 <a:cs typeface="Rubik"/>
                 <a:sym typeface="Rubik"/>
               </a:rPr>
-              <a:t>Para </a:t>
-            </a:r>
-            <a:r>
-              <a:rPr lang="en-US" sz="3499" b="1" dirty="0">
-                <a:solidFill>
-                  <a:srgbClr val="103C5D"/>
-                </a:solidFill>
-                <a:latin typeface="Rubik"/>
-                <a:ea typeface="Rubik"/>
-                <a:cs typeface="Rubik"/>
-                <a:sym typeface="Rubik"/>
-              </a:rPr>
-              <a:t>à</a:t>
-            </a:r>
-            <a:r>
-              <a:rPr lang="en-US" sz="3499" b="1" i="0" u="none" strike="noStrike" cap="none" dirty="0">
-                <a:solidFill>
-                  <a:srgbClr val="103C5D"/>
-                </a:solidFill>
-                <a:latin typeface="Rubik"/>
-                <a:ea typeface="Rubik"/>
-                <a:cs typeface="Rubik"/>
-                <a:sym typeface="Rubik"/>
-              </a:rPr>
-              <a:t> </a:t>
+              <a:t>Para a </a:t>
             </a:r>
             <a:r>
               <a:rPr lang="en-US" sz="3499" b="1" i="0" u="none" strike="noStrike" cap="none" dirty="0" err="1">
@@ -23566,31 +23542,7 @@
                 <a:cs typeface="Rubik"/>
                 <a:sym typeface="Rubik"/>
               </a:rPr>
-              <a:t>Para </a:t>
-            </a:r>
-            <a:r>
-              <a:rPr lang="en-US" sz="3499" b="1" dirty="0">
-                <a:solidFill>
-                  <a:srgbClr val="103C5D"/>
-                </a:solidFill>
-                <a:latin typeface="Rubik"/>
-                <a:ea typeface="Rubik"/>
-                <a:cs typeface="Rubik"/>
-                <a:sym typeface="Rubik"/>
-              </a:rPr>
-              <a:t>à</a:t>
-            </a:r>
-            <a:r>
-              <a:rPr lang="en-US" sz="3499" b="1" i="0" u="none" strike="noStrike" cap="none" dirty="0">
-                <a:solidFill>
-                  <a:srgbClr val="103C5D"/>
-                </a:solidFill>
-                <a:latin typeface="Rubik"/>
-                <a:ea typeface="Rubik"/>
-                <a:cs typeface="Rubik"/>
-                <a:sym typeface="Rubik"/>
-              </a:rPr>
-              <a:t> </a:t>
+              <a:t>Para a </a:t>
             </a:r>
             <a:r>
               <a:rPr lang="en-US" sz="3499" b="1" i="0" u="none" strike="noStrike" cap="none" dirty="0" err="1">
